--- a/Diapositivas/Tarea_Encargada - Salamanca.pptx
+++ b/Diapositivas/Tarea_Encargada - Salamanca.pptx
@@ -1221,7 +1221,7 @@
           </a:lstStyle>
           <a:p>
             <a:r>
-              <a:rPr lang="es-ES" smtClean="0"/>
+              <a:rPr lang="es-ES"/>
               <a:t>Haga clic para modificar el estilo de título del patrón</a:t>
             </a:r>
             <a:endParaRPr lang="en-US" dirty="0"/>
@@ -1295,7 +1295,7 @@
           </a:lstStyle>
           <a:p>
             <a:r>
-              <a:rPr lang="es-ES" smtClean="0"/>
+              <a:rPr lang="es-ES"/>
               <a:t>Haga clic para modificar el estilo de subtítulo del patrón</a:t>
             </a:r>
             <a:endParaRPr lang="en-US" dirty="0"/>
@@ -1334,7 +1334,7 @@
           <a:p>
             <a:fld id="{6AD6EE87-EBD5-4F12-A48A-63ACA297AC8F}" type="datetimeFigureOut">
               <a:rPr lang="en-US" smtClean="0"/>
-              <a:t>9/15/2018</a:t>
+              <a:t>9/19/2018</a:t>
             </a:fld>
             <a:endParaRPr lang="en-US" dirty="0"/>
           </a:p>
@@ -1496,7 +1496,7 @@
           <a:lstStyle/>
           <a:p>
             <a:r>
-              <a:rPr lang="es-ES" smtClean="0"/>
+              <a:rPr lang="es-ES"/>
               <a:t>Haga clic para modificar el estilo de título del patrón</a:t>
             </a:r>
             <a:endParaRPr lang="en-US" dirty="0"/>
@@ -1520,35 +1520,35 @@
           <a:p>
             <a:pPr lvl="0"/>
             <a:r>
-              <a:rPr lang="es-ES" smtClean="0"/>
+              <a:rPr lang="es-ES"/>
               <a:t>Haga clic para modificar el estilo de texto del patrón</a:t>
             </a:r>
           </a:p>
           <a:p>
             <a:pPr lvl="1"/>
             <a:r>
-              <a:rPr lang="es-ES" smtClean="0"/>
+              <a:rPr lang="es-ES"/>
               <a:t>Segundo nivel</a:t>
             </a:r>
           </a:p>
           <a:p>
             <a:pPr lvl="2"/>
             <a:r>
-              <a:rPr lang="es-ES" smtClean="0"/>
+              <a:rPr lang="es-ES"/>
               <a:t>Tercer nivel</a:t>
             </a:r>
           </a:p>
           <a:p>
             <a:pPr lvl="3"/>
             <a:r>
-              <a:rPr lang="es-ES" smtClean="0"/>
+              <a:rPr lang="es-ES"/>
               <a:t>Cuarto nivel</a:t>
             </a:r>
           </a:p>
           <a:p>
             <a:pPr lvl="4"/>
             <a:r>
-              <a:rPr lang="es-ES" smtClean="0"/>
+              <a:rPr lang="es-ES"/>
               <a:t>Quinto nivel</a:t>
             </a:r>
             <a:endParaRPr lang="en-US" dirty="0"/>
@@ -1572,7 +1572,7 @@
           <a:p>
             <a:fld id="{4CD73815-2707-4475-8F1A-B873CB631BB4}" type="datetimeFigureOut">
               <a:rPr lang="en-US" smtClean="0"/>
-              <a:t>9/15/2018</a:t>
+              <a:t>9/19/2018</a:t>
             </a:fld>
             <a:endParaRPr lang="en-US" dirty="0"/>
           </a:p>
@@ -1671,7 +1671,7 @@
           <a:lstStyle/>
           <a:p>
             <a:r>
-              <a:rPr lang="es-ES" smtClean="0"/>
+              <a:rPr lang="es-ES"/>
               <a:t>Haga clic para modificar el estilo de título del patrón</a:t>
             </a:r>
             <a:endParaRPr lang="en-US" dirty="0"/>
@@ -1700,35 +1700,35 @@
           <a:p>
             <a:pPr lvl="0"/>
             <a:r>
-              <a:rPr lang="es-ES" smtClean="0"/>
+              <a:rPr lang="es-ES"/>
               <a:t>Haga clic para modificar el estilo de texto del patrón</a:t>
             </a:r>
           </a:p>
           <a:p>
             <a:pPr lvl="1"/>
             <a:r>
-              <a:rPr lang="es-ES" smtClean="0"/>
+              <a:rPr lang="es-ES"/>
               <a:t>Segundo nivel</a:t>
             </a:r>
           </a:p>
           <a:p>
             <a:pPr lvl="2"/>
             <a:r>
-              <a:rPr lang="es-ES" smtClean="0"/>
+              <a:rPr lang="es-ES"/>
               <a:t>Tercer nivel</a:t>
             </a:r>
           </a:p>
           <a:p>
             <a:pPr lvl="3"/>
             <a:r>
-              <a:rPr lang="es-ES" smtClean="0"/>
+              <a:rPr lang="es-ES"/>
               <a:t>Cuarto nivel</a:t>
             </a:r>
           </a:p>
           <a:p>
             <a:pPr lvl="4"/>
             <a:r>
-              <a:rPr lang="es-ES" smtClean="0"/>
+              <a:rPr lang="es-ES"/>
               <a:t>Quinto nivel</a:t>
             </a:r>
             <a:endParaRPr lang="en-US" dirty="0"/>
@@ -1752,7 +1752,7 @@
           <a:p>
             <a:fld id="{2A4AFB99-0EAB-4182-AFF8-E214C82A68F6}" type="datetimeFigureOut">
               <a:rPr lang="en-US" smtClean="0"/>
-              <a:t>9/15/2018</a:t>
+              <a:t>9/19/2018</a:t>
             </a:fld>
             <a:endParaRPr lang="en-US" dirty="0"/>
           </a:p>
@@ -1846,7 +1846,7 @@
           <a:lstStyle/>
           <a:p>
             <a:r>
-              <a:rPr lang="es-ES" smtClean="0"/>
+              <a:rPr lang="es-ES"/>
               <a:t>Haga clic para modificar el estilo de título del patrón</a:t>
             </a:r>
             <a:endParaRPr lang="en-US" dirty="0"/>
@@ -1870,35 +1870,35 @@
           <a:p>
             <a:pPr lvl="0"/>
             <a:r>
-              <a:rPr lang="es-ES" smtClean="0"/>
+              <a:rPr lang="es-ES"/>
               <a:t>Haga clic para modificar el estilo de texto del patrón</a:t>
             </a:r>
           </a:p>
           <a:p>
             <a:pPr lvl="1"/>
             <a:r>
-              <a:rPr lang="es-ES" smtClean="0"/>
+              <a:rPr lang="es-ES"/>
               <a:t>Segundo nivel</a:t>
             </a:r>
           </a:p>
           <a:p>
             <a:pPr lvl="2"/>
             <a:r>
-              <a:rPr lang="es-ES" smtClean="0"/>
+              <a:rPr lang="es-ES"/>
               <a:t>Tercer nivel</a:t>
             </a:r>
           </a:p>
           <a:p>
             <a:pPr lvl="3"/>
             <a:r>
-              <a:rPr lang="es-ES" smtClean="0"/>
+              <a:rPr lang="es-ES"/>
               <a:t>Cuarto nivel</a:t>
             </a:r>
           </a:p>
           <a:p>
             <a:pPr lvl="4"/>
             <a:r>
-              <a:rPr lang="es-ES" smtClean="0"/>
+              <a:rPr lang="es-ES"/>
               <a:t>Quinto nivel</a:t>
             </a:r>
             <a:endParaRPr lang="en-US" dirty="0"/>
@@ -1922,7 +1922,7 @@
           <a:p>
             <a:fld id="{A5D3794B-289A-4A80-97D7-111025398D45}" type="datetimeFigureOut">
               <a:rPr lang="en-US" smtClean="0"/>
-              <a:t>9/15/2018</a:t>
+              <a:t>9/19/2018</a:t>
             </a:fld>
             <a:endParaRPr lang="en-US" dirty="0"/>
           </a:p>
@@ -2036,7 +2036,7 @@
           </a:lstStyle>
           <a:p>
             <a:r>
-              <a:rPr lang="es-ES" smtClean="0"/>
+              <a:rPr lang="es-ES"/>
               <a:t>Haga clic para modificar el estilo de título del patrón</a:t>
             </a:r>
             <a:endParaRPr lang="en-US" dirty="0"/>
@@ -2159,7 +2159,7 @@
           <a:p>
             <a:pPr lvl="0"/>
             <a:r>
-              <a:rPr lang="es-ES" smtClean="0"/>
+              <a:rPr lang="es-ES"/>
               <a:t>Haga clic para modificar el estilo de texto del patrón</a:t>
             </a:r>
           </a:p>
@@ -2195,7 +2195,7 @@
           <a:p>
             <a:fld id="{5A61015F-7CC6-4D0A-9D87-873EA4C304CC}" type="datetimeFigureOut">
               <a:rPr lang="en-US" smtClean="0"/>
-              <a:t>9/15/2018</a:t>
+              <a:t>9/19/2018</a:t>
             </a:fld>
             <a:endParaRPr lang="en-US" dirty="0"/>
           </a:p>
@@ -3258,7 +3258,7 @@
           <a:lstStyle/>
           <a:p>
             <a:r>
-              <a:rPr lang="es-ES" smtClean="0"/>
+              <a:rPr lang="es-ES"/>
               <a:t>Haga clic para modificar el estilo de título del patrón</a:t>
             </a:r>
             <a:endParaRPr lang="en-US" dirty="0"/>
@@ -3287,35 +3287,35 @@
           <a:p>
             <a:pPr lvl="0"/>
             <a:r>
-              <a:rPr lang="es-ES" smtClean="0"/>
+              <a:rPr lang="es-ES"/>
               <a:t>Haga clic para modificar el estilo de texto del patrón</a:t>
             </a:r>
           </a:p>
           <a:p>
             <a:pPr lvl="1"/>
             <a:r>
-              <a:rPr lang="es-ES" smtClean="0"/>
+              <a:rPr lang="es-ES"/>
               <a:t>Segundo nivel</a:t>
             </a:r>
           </a:p>
           <a:p>
             <a:pPr lvl="2"/>
             <a:r>
-              <a:rPr lang="es-ES" smtClean="0"/>
+              <a:rPr lang="es-ES"/>
               <a:t>Tercer nivel</a:t>
             </a:r>
           </a:p>
           <a:p>
             <a:pPr lvl="3"/>
             <a:r>
-              <a:rPr lang="es-ES" smtClean="0"/>
+              <a:rPr lang="es-ES"/>
               <a:t>Cuarto nivel</a:t>
             </a:r>
           </a:p>
           <a:p>
             <a:pPr lvl="4"/>
             <a:r>
-              <a:rPr lang="es-ES" smtClean="0"/>
+              <a:rPr lang="es-ES"/>
               <a:t>Quinto nivel</a:t>
             </a:r>
             <a:endParaRPr lang="en-US" dirty="0"/>
@@ -3344,35 +3344,35 @@
           <a:p>
             <a:pPr lvl="0"/>
             <a:r>
-              <a:rPr lang="es-ES" smtClean="0"/>
+              <a:rPr lang="es-ES"/>
               <a:t>Haga clic para modificar el estilo de texto del patrón</a:t>
             </a:r>
           </a:p>
           <a:p>
             <a:pPr lvl="1"/>
             <a:r>
-              <a:rPr lang="es-ES" smtClean="0"/>
+              <a:rPr lang="es-ES"/>
               <a:t>Segundo nivel</a:t>
             </a:r>
           </a:p>
           <a:p>
             <a:pPr lvl="2"/>
             <a:r>
-              <a:rPr lang="es-ES" smtClean="0"/>
+              <a:rPr lang="es-ES"/>
               <a:t>Tercer nivel</a:t>
             </a:r>
           </a:p>
           <a:p>
             <a:pPr lvl="3"/>
             <a:r>
-              <a:rPr lang="es-ES" smtClean="0"/>
+              <a:rPr lang="es-ES"/>
               <a:t>Cuarto nivel</a:t>
             </a:r>
           </a:p>
           <a:p>
             <a:pPr lvl="4"/>
             <a:r>
-              <a:rPr lang="es-ES" smtClean="0"/>
+              <a:rPr lang="es-ES"/>
               <a:t>Quinto nivel</a:t>
             </a:r>
             <a:endParaRPr lang="en-US" dirty="0"/>
@@ -3396,7 +3396,7 @@
           <a:p>
             <a:fld id="{93C6A301-0538-44EC-B09D-202E1042A48B}" type="datetimeFigureOut">
               <a:rPr lang="en-US" smtClean="0"/>
-              <a:t>9/15/2018</a:t>
+              <a:t>9/19/2018</a:t>
             </a:fld>
             <a:endParaRPr lang="en-US" dirty="0"/>
           </a:p>
@@ -3500,7 +3500,7 @@
           <a:lstStyle/>
           <a:p>
             <a:r>
-              <a:rPr lang="es-ES" smtClean="0"/>
+              <a:rPr lang="es-ES"/>
               <a:t>Haga clic para modificar el estilo de título del patrón</a:t>
             </a:r>
             <a:endParaRPr lang="en-US" dirty="0"/>
@@ -3575,7 +3575,7 @@
           <a:p>
             <a:pPr lvl="0"/>
             <a:r>
-              <a:rPr lang="es-ES" smtClean="0"/>
+              <a:rPr lang="es-ES"/>
               <a:t>Haga clic para modificar el estilo de texto del patrón</a:t>
             </a:r>
           </a:p>
@@ -3603,35 +3603,35 @@
           <a:p>
             <a:pPr lvl="0"/>
             <a:r>
-              <a:rPr lang="es-ES" smtClean="0"/>
+              <a:rPr lang="es-ES"/>
               <a:t>Haga clic para modificar el estilo de texto del patrón</a:t>
             </a:r>
           </a:p>
           <a:p>
             <a:pPr lvl="1"/>
             <a:r>
-              <a:rPr lang="es-ES" smtClean="0"/>
+              <a:rPr lang="es-ES"/>
               <a:t>Segundo nivel</a:t>
             </a:r>
           </a:p>
           <a:p>
             <a:pPr lvl="2"/>
             <a:r>
-              <a:rPr lang="es-ES" smtClean="0"/>
+              <a:rPr lang="es-ES"/>
               <a:t>Tercer nivel</a:t>
             </a:r>
           </a:p>
           <a:p>
             <a:pPr lvl="3"/>
             <a:r>
-              <a:rPr lang="es-ES" smtClean="0"/>
+              <a:rPr lang="es-ES"/>
               <a:t>Cuarto nivel</a:t>
             </a:r>
           </a:p>
           <a:p>
             <a:pPr lvl="4"/>
             <a:r>
-              <a:rPr lang="es-ES" smtClean="0"/>
+              <a:rPr lang="es-ES"/>
               <a:t>Quinto nivel</a:t>
             </a:r>
             <a:endParaRPr lang="en-US" dirty="0"/>
@@ -3706,7 +3706,7 @@
           <a:p>
             <a:pPr lvl="0"/>
             <a:r>
-              <a:rPr lang="es-ES" smtClean="0"/>
+              <a:rPr lang="es-ES"/>
               <a:t>Haga clic para modificar el estilo de texto del patrón</a:t>
             </a:r>
           </a:p>
@@ -3734,35 +3734,35 @@
           <a:p>
             <a:pPr lvl="0"/>
             <a:r>
-              <a:rPr lang="es-ES" smtClean="0"/>
+              <a:rPr lang="es-ES"/>
               <a:t>Haga clic para modificar el estilo de texto del patrón</a:t>
             </a:r>
           </a:p>
           <a:p>
             <a:pPr lvl="1"/>
             <a:r>
-              <a:rPr lang="es-ES" smtClean="0"/>
+              <a:rPr lang="es-ES"/>
               <a:t>Segundo nivel</a:t>
             </a:r>
           </a:p>
           <a:p>
             <a:pPr lvl="2"/>
             <a:r>
-              <a:rPr lang="es-ES" smtClean="0"/>
+              <a:rPr lang="es-ES"/>
               <a:t>Tercer nivel</a:t>
             </a:r>
           </a:p>
           <a:p>
             <a:pPr lvl="3"/>
             <a:r>
-              <a:rPr lang="es-ES" smtClean="0"/>
+              <a:rPr lang="es-ES"/>
               <a:t>Cuarto nivel</a:t>
             </a:r>
           </a:p>
           <a:p>
             <a:pPr lvl="4"/>
             <a:r>
-              <a:rPr lang="es-ES" smtClean="0"/>
+              <a:rPr lang="es-ES"/>
               <a:t>Quinto nivel</a:t>
             </a:r>
             <a:endParaRPr lang="en-US" dirty="0"/>
@@ -3786,7 +3786,7 @@
           <a:p>
             <a:fld id="{D789574A-8875-45EF-8EA2-3CAA0F7ABC4C}" type="datetimeFigureOut">
               <a:rPr lang="en-US" smtClean="0"/>
-              <a:t>9/15/2018</a:t>
+              <a:t>9/19/2018</a:t>
             </a:fld>
             <a:endParaRPr lang="en-US" dirty="0"/>
           </a:p>
@@ -3885,7 +3885,7 @@
           <a:lstStyle/>
           <a:p>
             <a:r>
-              <a:rPr lang="es-ES" smtClean="0"/>
+              <a:rPr lang="es-ES"/>
               <a:t>Haga clic para modificar el estilo de título del patrón</a:t>
             </a:r>
             <a:endParaRPr lang="en-US" dirty="0"/>
@@ -3909,7 +3909,7 @@
           <a:p>
             <a:fld id="{67EF4D4C-5367-4C26-9E2B-D8088D7FCA81}" type="datetimeFigureOut">
               <a:rPr lang="en-US" smtClean="0"/>
-              <a:t>9/15/2018</a:t>
+              <a:t>9/19/2018</a:t>
             </a:fld>
             <a:endParaRPr lang="en-US" dirty="0"/>
           </a:p>
@@ -4004,7 +4004,7 @@
           <a:p>
             <a:fld id="{56E91E96-98B0-4413-9547-46F3504108EF}" type="datetimeFigureOut">
               <a:rPr lang="en-US" smtClean="0"/>
-              <a:t>9/15/2018</a:t>
+              <a:t>9/19/2018</a:t>
             </a:fld>
             <a:endParaRPr lang="en-US" dirty="0"/>
           </a:p>
@@ -4578,7 +4578,7 @@
           </a:lstStyle>
           <a:p>
             <a:r>
-              <a:rPr lang="es-ES" smtClean="0"/>
+              <a:rPr lang="es-ES"/>
               <a:t>Haga clic para modificar el estilo de título del patrón</a:t>
             </a:r>
             <a:endParaRPr lang="en-US" dirty="0"/>
@@ -4635,35 +4635,35 @@
           <a:p>
             <a:pPr lvl="0"/>
             <a:r>
-              <a:rPr lang="es-ES" smtClean="0"/>
+              <a:rPr lang="es-ES"/>
               <a:t>Haga clic para modificar el estilo de texto del patrón</a:t>
             </a:r>
           </a:p>
           <a:p>
             <a:pPr lvl="1"/>
             <a:r>
-              <a:rPr lang="es-ES" smtClean="0"/>
+              <a:rPr lang="es-ES"/>
               <a:t>Segundo nivel</a:t>
             </a:r>
           </a:p>
           <a:p>
             <a:pPr lvl="2"/>
             <a:r>
-              <a:rPr lang="es-ES" smtClean="0"/>
+              <a:rPr lang="es-ES"/>
               <a:t>Tercer nivel</a:t>
             </a:r>
           </a:p>
           <a:p>
             <a:pPr lvl="3"/>
             <a:r>
-              <a:rPr lang="es-ES" smtClean="0"/>
+              <a:rPr lang="es-ES"/>
               <a:t>Cuarto nivel</a:t>
             </a:r>
           </a:p>
           <a:p>
             <a:pPr lvl="4"/>
             <a:r>
-              <a:rPr lang="es-ES" smtClean="0"/>
+              <a:rPr lang="es-ES"/>
               <a:t>Quinto nivel</a:t>
             </a:r>
             <a:endParaRPr lang="en-US" dirty="0"/>
@@ -4739,7 +4739,7 @@
           <a:p>
             <a:pPr lvl="0"/>
             <a:r>
-              <a:rPr lang="es-ES" smtClean="0"/>
+              <a:rPr lang="es-ES"/>
               <a:t>Haga clic para modificar el estilo de texto del patrón</a:t>
             </a:r>
           </a:p>
@@ -4767,7 +4767,7 @@
           <a:p>
             <a:fld id="{05C68B11-C5A8-448C-8CE9-B1A273C79CFC}" type="datetimeFigureOut">
               <a:rPr lang="en-US" smtClean="0"/>
-              <a:t>9/15/2018</a:t>
+              <a:t>9/19/2018</a:t>
             </a:fld>
             <a:endParaRPr lang="en-US" dirty="0"/>
           </a:p>
@@ -4962,7 +4962,7 @@
           </a:lstStyle>
           <a:p>
             <a:r>
-              <a:rPr lang="es-ES" smtClean="0"/>
+              <a:rPr lang="es-ES"/>
               <a:t>Haga clic en el icono para agregar una imagen</a:t>
             </a:r>
             <a:endParaRPr lang="en-US" dirty="0"/>
@@ -5503,7 +5503,7 @@
           </a:lstStyle>
           <a:p>
             <a:r>
-              <a:rPr lang="es-ES" smtClean="0"/>
+              <a:rPr lang="es-ES"/>
               <a:t>Haga clic para modificar el estilo de título del patrón</a:t>
             </a:r>
             <a:endParaRPr lang="en-US" dirty="0"/>
@@ -5579,7 +5579,7 @@
           <a:p>
             <a:pPr lvl="0"/>
             <a:r>
-              <a:rPr lang="es-ES" smtClean="0"/>
+              <a:rPr lang="es-ES"/>
               <a:t>Haga clic para modificar el estilo de texto del patrón</a:t>
             </a:r>
           </a:p>
@@ -5607,7 +5607,7 @@
           <a:p>
             <a:fld id="{C7616CA0-919D-4A49-9C8A-62FDFB3A5183}" type="datetimeFigureOut">
               <a:rPr lang="en-US" smtClean="0"/>
-              <a:t>9/15/2018</a:t>
+              <a:t>9/19/2018</a:t>
             </a:fld>
             <a:endParaRPr lang="en-US" dirty="0"/>
           </a:p>
@@ -5729,7 +5729,7 @@
           <a:lstStyle/>
           <a:p>
             <a:r>
-              <a:rPr lang="es-ES" smtClean="0"/>
+              <a:rPr lang="es-ES"/>
               <a:t>Haga clic para modificar el estilo de título del patrón</a:t>
             </a:r>
             <a:endParaRPr lang="en-US" dirty="0"/>
@@ -5763,35 +5763,35 @@
           <a:p>
             <a:pPr lvl="0"/>
             <a:r>
-              <a:rPr lang="es-ES" smtClean="0"/>
+              <a:rPr lang="es-ES"/>
               <a:t>Haga clic para modificar el estilo de texto del patrón</a:t>
             </a:r>
           </a:p>
           <a:p>
             <a:pPr lvl="1"/>
             <a:r>
-              <a:rPr lang="es-ES" smtClean="0"/>
+              <a:rPr lang="es-ES"/>
               <a:t>Segundo nivel</a:t>
             </a:r>
           </a:p>
           <a:p>
             <a:pPr lvl="2"/>
             <a:r>
-              <a:rPr lang="es-ES" smtClean="0"/>
+              <a:rPr lang="es-ES"/>
               <a:t>Tercer nivel</a:t>
             </a:r>
           </a:p>
           <a:p>
             <a:pPr lvl="3"/>
             <a:r>
-              <a:rPr lang="es-ES" smtClean="0"/>
+              <a:rPr lang="es-ES"/>
               <a:t>Cuarto nivel</a:t>
             </a:r>
           </a:p>
           <a:p>
             <a:pPr lvl="4"/>
             <a:r>
-              <a:rPr lang="es-ES" smtClean="0"/>
+              <a:rPr lang="es-ES"/>
               <a:t>Quinto nivel</a:t>
             </a:r>
             <a:endParaRPr lang="en-US" dirty="0"/>
@@ -5835,7 +5835,7 @@
             <a:fld id="{90298CD5-6C1E-4009-B41F-6DF62E31D3BE}" type="datetimeFigureOut">
               <a:rPr lang="en-US" smtClean="0"/>
               <a:pPr/>
-              <a:t>9/15/2018</a:t>
+              <a:t>9/19/2018</a:t>
             </a:fld>
             <a:endParaRPr lang="en-US" dirty="0"/>
           </a:p>
@@ -6840,7 +6840,7 @@
           <p:cNvPr id="2" name="Título 1">
             <a:extLst>
               <a:ext uri="{FF2B5EF4-FFF2-40B4-BE49-F238E27FC236}">
-                <a16:creationId xmlns:a16="http://schemas.microsoft.com/office/drawing/2014/main" xmlns="" id="{B2EA61A3-2EA9-4A8C-9DE7-603177CEB651}"/>
+                <a16:creationId xmlns:a16="http://schemas.microsoft.com/office/drawing/2014/main" id="{B2EA61A3-2EA9-4A8C-9DE7-603177CEB651}"/>
               </a:ext>
             </a:extLst>
           </p:cNvPr>
@@ -6857,10 +6857,9 @@
           <a:lstStyle/>
           <a:p>
             <a:r>
-              <a:rPr lang="es-PE" dirty="0" smtClean="0"/>
+              <a:rPr lang="es-PE" dirty="0"/>
               <a:t>TAREA ENCARGADA</a:t>
             </a:r>
-            <a:endParaRPr lang="es-PE" dirty="0"/>
           </a:p>
         </p:txBody>
       </p:sp>
@@ -6869,7 +6868,7 @@
           <p:cNvPr id="3" name="Subtítulo 2">
             <a:extLst>
               <a:ext uri="{FF2B5EF4-FFF2-40B4-BE49-F238E27FC236}">
-                <a16:creationId xmlns:a16="http://schemas.microsoft.com/office/drawing/2014/main" xmlns="" id="{D6D0C3F1-CD68-49B0-A54B-2E3ED85C2136}"/>
+                <a16:creationId xmlns:a16="http://schemas.microsoft.com/office/drawing/2014/main" id="{D6D0C3F1-CD68-49B0-A54B-2E3ED85C2136}"/>
               </a:ext>
             </a:extLst>
           </p:cNvPr>
@@ -6886,10 +6885,9 @@
           <a:lstStyle/>
           <a:p>
             <a:r>
-              <a:rPr lang="es-PE" dirty="0" smtClean="0"/>
+              <a:rPr lang="es-PE" dirty="0"/>
               <a:t>Fiorella Rosmery Salamanca Contreras</a:t>
             </a:r>
-            <a:endParaRPr lang="es-PE" dirty="0"/>
           </a:p>
         </p:txBody>
       </p:sp>
@@ -6973,7 +6971,7 @@
               <a:buNone/>
             </a:pPr>
             <a:r>
-              <a:rPr lang="es-PE" sz="2400" b="1" dirty="0" smtClean="0">
+              <a:rPr lang="es-PE" sz="2400" b="1" dirty="0">
                 <a:ln w="9525" cmpd="sng">
                   <a:solidFill>
                     <a:schemeClr val="accent1"/>
@@ -6995,26 +6993,6 @@
               </a:rPr>
               <a:t>EJEMPLO</a:t>
             </a:r>
-            <a:endParaRPr lang="es-PE" sz="2400" b="1" dirty="0">
-              <a:ln w="9525" cmpd="sng">
-                <a:solidFill>
-                  <a:schemeClr val="accent1"/>
-                </a:solidFill>
-                <a:prstDash val="solid"/>
-              </a:ln>
-              <a:solidFill>
-                <a:srgbClr val="70AD47">
-                  <a:tint val="1000"/>
-                </a:srgbClr>
-              </a:solidFill>
-              <a:effectLst>
-                <a:glow rad="38100">
-                  <a:schemeClr val="accent1">
-                    <a:alpha val="40000"/>
-                  </a:schemeClr>
-                </a:glow>
-              </a:effectLst>
-            </a:endParaRPr>
           </a:p>
         </p:txBody>
       </p:sp>
@@ -7255,7 +7233,7 @@
               <a:buNone/>
             </a:pPr>
             <a:r>
-              <a:rPr lang="es-PE" sz="2800" b="1" spc="-150" dirty="0" smtClean="0">
+              <a:rPr lang="es-PE" sz="2800" b="1" spc="-150" dirty="0">
                 <a:ln w="9525" cmpd="sng">
                   <a:solidFill>
                     <a:schemeClr val="accent1"/>
@@ -7277,26 +7255,6 @@
               </a:rPr>
               <a:t>INTERFACES</a:t>
             </a:r>
-            <a:endParaRPr lang="es-PE" sz="2800" b="1" spc="-150" dirty="0">
-              <a:ln w="9525" cmpd="sng">
-                <a:solidFill>
-                  <a:schemeClr val="accent1"/>
-                </a:solidFill>
-                <a:prstDash val="solid"/>
-              </a:ln>
-              <a:solidFill>
-                <a:srgbClr val="70AD47">
-                  <a:tint val="1000"/>
-                </a:srgbClr>
-              </a:solidFill>
-              <a:effectLst>
-                <a:glow rad="38100">
-                  <a:schemeClr val="accent1">
-                    <a:alpha val="40000"/>
-                  </a:schemeClr>
-                </a:glow>
-              </a:effectLst>
-            </a:endParaRPr>
           </a:p>
         </p:txBody>
       </p:sp>
@@ -7380,7 +7338,7 @@
               <a:buNone/>
             </a:pPr>
             <a:r>
-              <a:rPr lang="es-PE" sz="2400" b="1" dirty="0" smtClean="0">
+              <a:rPr lang="es-PE" sz="2400" b="1" dirty="0">
                 <a:ln w="9525" cmpd="sng">
                   <a:solidFill>
                     <a:schemeClr val="accent1"/>
@@ -7402,26 +7360,6 @@
               </a:rPr>
               <a:t>EJEMPLO</a:t>
             </a:r>
-            <a:endParaRPr lang="es-PE" sz="2400" b="1" dirty="0">
-              <a:ln w="9525" cmpd="sng">
-                <a:solidFill>
-                  <a:schemeClr val="accent1"/>
-                </a:solidFill>
-                <a:prstDash val="solid"/>
-              </a:ln>
-              <a:solidFill>
-                <a:srgbClr val="70AD47">
-                  <a:tint val="1000"/>
-                </a:srgbClr>
-              </a:solidFill>
-              <a:effectLst>
-                <a:glow rad="38100">
-                  <a:schemeClr val="accent1">
-                    <a:alpha val="40000"/>
-                  </a:schemeClr>
-                </a:glow>
-              </a:effectLst>
-            </a:endParaRPr>
           </a:p>
         </p:txBody>
       </p:sp>
@@ -7557,6 +7495,40 @@
           </a:extLst>
         </p:spPr>
       </p:pic>
+      <p:sp>
+        <p:nvSpPr>
+          <p:cNvPr id="3" name="Rectángulo 2">
+            <a:extLst>
+              <a:ext uri="{FF2B5EF4-FFF2-40B4-BE49-F238E27FC236}">
+                <a16:creationId xmlns:a16="http://schemas.microsoft.com/office/drawing/2014/main" id="{977C3419-550F-4C2E-BDB7-DF284B344AC7}"/>
+              </a:ext>
+            </a:extLst>
+          </p:cNvPr>
+          <p:cNvSpPr/>
+          <p:nvPr/>
+        </p:nvSpPr>
+        <p:spPr>
+          <a:xfrm>
+            <a:off x="6096000" y="6989032"/>
+            <a:ext cx="6096000" cy="276999"/>
+          </a:xfrm>
+          <a:prstGeom prst="rect">
+            <a:avLst/>
+          </a:prstGeom>
+        </p:spPr>
+        <p:txBody>
+          <a:bodyPr>
+            <a:spAutoFit/>
+          </a:bodyPr>
+          <a:lstStyle/>
+          <a:p>
+            <a:r>
+              <a:rPr lang="es-ES" sz="1200" dirty="0"/>
+              <a:t>https://rlbisbe.net/2014/02/17/clases-abstractas-vs-interfaces-metodos-de-extension-en-c/</a:t>
+            </a:r>
+          </a:p>
+        </p:txBody>
+      </p:sp>
     </p:spTree>
     <p:extLst>
       <p:ext uri="{BB962C8B-B14F-4D97-AF65-F5344CB8AC3E}">
@@ -7603,10 +7575,9 @@
           <a:lstStyle/>
           <a:p>
             <a:r>
-              <a:rPr lang="es-PE" dirty="0" smtClean="0"/>
+              <a:rPr lang="es-PE" dirty="0"/>
               <a:t>PRINCIPIOS SOLID</a:t>
             </a:r>
-            <a:endParaRPr lang="es-PE" dirty="0"/>
           </a:p>
         </p:txBody>
       </p:sp>
@@ -7632,13 +7603,8 @@
           <a:p>
             <a:r>
               <a:rPr lang="es-PE" dirty="0"/>
-              <a:t>1</a:t>
-            </a:r>
-            <a:r>
-              <a:rPr lang="es-PE" dirty="0" smtClean="0"/>
-              <a:t>° principio : principio de RESPONSABILIDAD UNICA</a:t>
-            </a:r>
-            <a:endParaRPr lang="es-PE" dirty="0"/>
+              <a:t>1° principio : principio de RESPONSABILIDAD UNICA</a:t>
+            </a:r>
           </a:p>
         </p:txBody>
       </p:sp>
@@ -7931,7 +7897,7 @@
               <a:buNone/>
             </a:pPr>
             <a:r>
-              <a:rPr lang="es-PE" sz="2800" b="1" spc="50" dirty="0" smtClean="0">
+              <a:rPr lang="es-PE" sz="2800" b="1" spc="50" dirty="0">
                 <a:ln w="0"/>
                 <a:solidFill>
                   <a:schemeClr val="bg2"/>
@@ -7946,19 +7912,6 @@
               </a:rPr>
               <a:t>Principio de Responsabilidad Única</a:t>
             </a:r>
-            <a:endParaRPr lang="es-PE" sz="2800" b="1" spc="50" dirty="0">
-              <a:ln w="0"/>
-              <a:solidFill>
-                <a:schemeClr val="bg2"/>
-              </a:solidFill>
-              <a:effectLst>
-                <a:innerShdw blurRad="63500" dist="50800" dir="13500000">
-                  <a:srgbClr val="000000">
-                    <a:alpha val="50000"/>
-                  </a:srgbClr>
-                </a:innerShdw>
-              </a:effectLst>
-            </a:endParaRPr>
           </a:p>
         </p:txBody>
       </p:sp>
@@ -8039,15 +7992,7 @@
           <a:p>
             <a:r>
               <a:rPr lang="es-PE" dirty="0"/>
-              <a:t>1</a:t>
-            </a:r>
-            <a:r>
-              <a:rPr lang="es-PE" dirty="0" smtClean="0"/>
-              <a:t>° </a:t>
-            </a:r>
-            <a:r>
-              <a:rPr lang="es-PE" dirty="0"/>
-              <a:t>Principio : </a:t>
+              <a:t>1° Principio : </a:t>
             </a:r>
           </a:p>
         </p:txBody>
@@ -8087,18 +8032,13 @@
           <a:p>
             <a:pPr algn="ctr"/>
             <a:r>
-              <a:rPr lang="es-PE" b="1" dirty="0" smtClean="0">
+              <a:rPr lang="es-PE" b="1" dirty="0">
                 <a:solidFill>
                   <a:schemeClr val="tx1"/>
                 </a:solidFill>
               </a:rPr>
               <a:t>Demostración &gt;&gt;&gt;</a:t>
             </a:r>
-            <a:endParaRPr lang="es-PE" b="1" dirty="0">
-              <a:solidFill>
-                <a:schemeClr val="tx1"/>
-              </a:solidFill>
-            </a:endParaRPr>
           </a:p>
         </p:txBody>
       </p:sp>
@@ -8151,7 +8091,7 @@
                 </a:solidFill>
                 <a:latin typeface="Gill Sans MT (Cuerpo)"/>
               </a:rPr>
-              <a:t>de una razón por la cual cambiar</a:t>
+              <a:t>de una razón por la cual cambiar.</a:t>
             </a:r>
             <a:endParaRPr lang="es-PE" dirty="0">
               <a:latin typeface="Gill Sans MT (Cuerpo)"/>
@@ -8507,7 +8447,7 @@
               <a:buNone/>
             </a:pPr>
             <a:r>
-              <a:rPr lang="es-PE" sz="2800" b="1" spc="50" dirty="0" smtClean="0">
+              <a:rPr lang="es-PE" sz="2800" b="1" spc="50" dirty="0">
                 <a:ln w="0"/>
                 <a:solidFill>
                   <a:schemeClr val="bg2"/>
@@ -8522,19 +8462,6 @@
               </a:rPr>
               <a:t>Principio de Responsabilidad Única</a:t>
             </a:r>
-            <a:endParaRPr lang="es-PE" sz="2800" b="1" spc="50" dirty="0">
-              <a:ln w="0"/>
-              <a:solidFill>
-                <a:schemeClr val="bg2"/>
-              </a:solidFill>
-              <a:effectLst>
-                <a:innerShdw blurRad="63500" dist="50800" dir="13500000">
-                  <a:srgbClr val="000000">
-                    <a:alpha val="50000"/>
-                  </a:srgbClr>
-                </a:innerShdw>
-              </a:effectLst>
-            </a:endParaRPr>
           </a:p>
         </p:txBody>
       </p:sp>
@@ -8615,15 +8542,7 @@
           <a:p>
             <a:r>
               <a:rPr lang="es-PE" dirty="0"/>
-              <a:t>1</a:t>
-            </a:r>
-            <a:r>
-              <a:rPr lang="es-PE" dirty="0" smtClean="0"/>
-              <a:t>° </a:t>
-            </a:r>
-            <a:r>
-              <a:rPr lang="es-PE" dirty="0"/>
-              <a:t>Principio : </a:t>
+              <a:t>1° Principio : </a:t>
             </a:r>
           </a:p>
         </p:txBody>
@@ -8661,61 +8580,7 @@
                 </a:solidFill>
                 <a:latin typeface="Gill Sans MT (Cuerpo)"/>
               </a:rPr>
-              <a:t>Qué tan </a:t>
-            </a:r>
-            <a:r>
-              <a:rPr lang="es-PE" dirty="0" smtClean="0">
-                <a:solidFill>
-                  <a:srgbClr val="1E1E1E"/>
-                </a:solidFill>
-                <a:latin typeface="Gill Sans MT (Cuerpo)"/>
-              </a:rPr>
-              <a:t>fuertemente relacionadas </a:t>
-            </a:r>
-            <a:r>
-              <a:rPr lang="es-PE" dirty="0">
-                <a:solidFill>
-                  <a:srgbClr val="1E1E1E"/>
-                </a:solidFill>
-                <a:latin typeface="Gill Sans MT (Cuerpo)"/>
-              </a:rPr>
-              <a:t>y enfocadas </a:t>
-            </a:r>
-            <a:r>
-              <a:rPr lang="es-PE" dirty="0" smtClean="0">
-                <a:solidFill>
-                  <a:srgbClr val="1E1E1E"/>
-                </a:solidFill>
-                <a:latin typeface="Gill Sans MT (Cuerpo)"/>
-              </a:rPr>
-              <a:t>están las </a:t>
-            </a:r>
-            <a:r>
-              <a:rPr lang="es-PE" dirty="0">
-                <a:solidFill>
-                  <a:srgbClr val="1E1E1E"/>
-                </a:solidFill>
-                <a:latin typeface="Gill Sans MT (Cuerpo)"/>
-              </a:rPr>
-              <a:t>distintas </a:t>
-            </a:r>
-            <a:r>
-              <a:rPr lang="es-PE" dirty="0" smtClean="0">
-                <a:solidFill>
-                  <a:srgbClr val="1E1E1E"/>
-                </a:solidFill>
-                <a:latin typeface="Gill Sans MT (Cuerpo)"/>
-              </a:rPr>
-              <a:t>responsabilidades de un </a:t>
-            </a:r>
-            <a:r>
-              <a:rPr lang="es-PE" dirty="0">
-                <a:solidFill>
-                  <a:srgbClr val="1E1E1E"/>
-                </a:solidFill>
-                <a:latin typeface="Gill Sans MT (Cuerpo)"/>
-              </a:rPr>
-              <a:t>módulo.</a:t>
+              <a:t>Qué tan fuertemente relacionadas y enfocadas están las distintas responsabilidades de un módulo.</a:t>
             </a:r>
             <a:endParaRPr lang="es-PE" dirty="0">
               <a:latin typeface="Gill Sans MT (Cuerpo)"/>
@@ -8746,10 +8611,9 @@
           <a:p>
             <a:pPr algn="ctr"/>
             <a:r>
-              <a:rPr lang="es-PE" sz="2000" b="1" dirty="0" smtClean="0"/>
+              <a:rPr lang="es-PE" sz="2000" b="1" dirty="0"/>
               <a:t>Cohesión:</a:t>
             </a:r>
-            <a:endParaRPr lang="es-PE" sz="2000" b="1" dirty="0"/>
           </a:p>
         </p:txBody>
       </p:sp>
@@ -8776,10 +8640,9 @@
           <a:p>
             <a:pPr algn="ctr"/>
             <a:r>
-              <a:rPr lang="es-PE" sz="2000" b="1" dirty="0" smtClean="0"/>
+              <a:rPr lang="es-PE" sz="2000" b="1" dirty="0"/>
               <a:t>Acoplamiento:</a:t>
             </a:r>
-            <a:endParaRPr lang="es-PE" sz="2000" b="1" dirty="0"/>
           </a:p>
         </p:txBody>
       </p:sp>
@@ -8813,41 +8676,8 @@
               <a:rPr lang="es-PE" dirty="0">
                 <a:latin typeface="Gill Sans MT (Cuerpo)"/>
               </a:rPr>
-              <a:t>El grado en el cual </a:t>
-            </a:r>
-            <a:r>
-              <a:rPr lang="es-PE" dirty="0" smtClean="0">
-                <a:latin typeface="Gill Sans MT (Cuerpo)"/>
-              </a:rPr>
-              <a:t>cada módulo </a:t>
-            </a:r>
-            <a:r>
-              <a:rPr lang="es-PE" dirty="0">
-                <a:latin typeface="Gill Sans MT (Cuerpo)"/>
-              </a:rPr>
-              <a:t>de un </a:t>
-            </a:r>
-            <a:r>
-              <a:rPr lang="es-PE" dirty="0" smtClean="0">
-                <a:latin typeface="Gill Sans MT (Cuerpo)"/>
-              </a:rPr>
-              <a:t>programa depende </a:t>
-            </a:r>
-            <a:r>
-              <a:rPr lang="es-PE" dirty="0">
-                <a:latin typeface="Gill Sans MT (Cuerpo)"/>
-              </a:rPr>
-              <a:t>de cada uno de </a:t>
-            </a:r>
-            <a:r>
-              <a:rPr lang="es-PE" dirty="0" smtClean="0">
-                <a:latin typeface="Gill Sans MT (Cuerpo)"/>
-              </a:rPr>
-              <a:t>los otros módulos.</a:t>
-            </a:r>
-            <a:endParaRPr lang="es-PE" dirty="0">
-              <a:latin typeface="Gill Sans MT (Cuerpo)"/>
-            </a:endParaRPr>
+              <a:t>El grado en el cual cada módulo de un programa depende de cada uno de los otros módulos.</a:t>
+            </a:r>
           </a:p>
         </p:txBody>
       </p:sp>
@@ -9121,10 +8951,9 @@
           <a:lstStyle/>
           <a:p>
             <a:r>
-              <a:rPr lang="es-PE" dirty="0" smtClean="0"/>
+              <a:rPr lang="es-PE" dirty="0"/>
               <a:t>patrones de diseño</a:t>
             </a:r>
-            <a:endParaRPr lang="es-PE" dirty="0"/>
           </a:p>
         </p:txBody>
       </p:sp>
@@ -9152,13 +8981,8 @@
           <a:p>
             <a:r>
               <a:rPr lang="es-PE" dirty="0"/>
-              <a:t>Patrones de comportamiento relacional de objetos </a:t>
-            </a:r>
-            <a:r>
-              <a:rPr lang="es-PE" dirty="0" smtClean="0"/>
-              <a:t>: UNIDAD DE TRABAJO</a:t>
-            </a:r>
-            <a:endParaRPr lang="es-PE" dirty="0"/>
+              <a:t>Patrones de comportamiento relacional de objetos : UNIDAD DE TRABAJO</a:t>
+            </a:r>
           </a:p>
         </p:txBody>
       </p:sp>
@@ -9448,7 +9272,7 @@
               <a:buNone/>
             </a:pPr>
             <a:r>
-              <a:rPr lang="es-PE" sz="2800" b="1" dirty="0" smtClean="0">
+              <a:rPr lang="es-PE" sz="2800" b="1" dirty="0">
                 <a:ln w="9525">
                   <a:solidFill>
                     <a:schemeClr val="bg1"/>
@@ -9468,24 +9292,6 @@
               </a:rPr>
               <a:t>Unidad de Trabajo</a:t>
             </a:r>
-            <a:endParaRPr lang="es-PE" sz="2800" b="1" dirty="0">
-              <a:ln w="9525">
-                <a:solidFill>
-                  <a:schemeClr val="bg1"/>
-                </a:solidFill>
-                <a:prstDash val="solid"/>
-              </a:ln>
-              <a:solidFill>
-                <a:schemeClr val="tx1"/>
-              </a:solidFill>
-              <a:effectLst>
-                <a:outerShdw blurRad="12700" dist="38100" dir="2700000" algn="tl" rotWithShape="0">
-                  <a:schemeClr val="bg1">
-                    <a:lumMod val="50000"/>
-                  </a:schemeClr>
-                </a:outerShdw>
-              </a:effectLst>
-            </a:endParaRPr>
           </a:p>
         </p:txBody>
       </p:sp>
@@ -9566,21 +9372,8 @@
           <a:p>
             <a:r>
               <a:rPr lang="es-PE" dirty="0"/>
-              <a:t>Patrones de C</a:t>
-            </a:r>
-            <a:r>
-              <a:rPr lang="es-PE" dirty="0" smtClean="0"/>
-              <a:t>omportamiento Relacional </a:t>
-            </a:r>
-            <a:r>
-              <a:rPr lang="es-PE" dirty="0"/>
-              <a:t>de </a:t>
-            </a:r>
-            <a:r>
-              <a:rPr lang="es-PE" dirty="0" smtClean="0"/>
-              <a:t>Objetos</a:t>
-            </a:r>
-            <a:endParaRPr lang="es-PE" dirty="0"/>
+              <a:t>Patrones de Comportamiento Relacional de Objetos</a:t>
+            </a:r>
           </a:p>
         </p:txBody>
       </p:sp>
@@ -10015,7 +9808,7 @@
               <a:buNone/>
             </a:pPr>
             <a:r>
-              <a:rPr lang="es-PE" sz="2800" b="1" dirty="0" smtClean="0">
+              <a:rPr lang="es-PE" sz="2800" b="1" dirty="0">
                 <a:ln w="9525">
                   <a:solidFill>
                     <a:schemeClr val="bg1"/>
@@ -10035,24 +9828,6 @@
               </a:rPr>
               <a:t>Unidad de Trabajo</a:t>
             </a:r>
-            <a:endParaRPr lang="es-PE" sz="2800" b="1" dirty="0">
-              <a:ln w="9525">
-                <a:solidFill>
-                  <a:schemeClr val="bg1"/>
-                </a:solidFill>
-                <a:prstDash val="solid"/>
-              </a:ln>
-              <a:solidFill>
-                <a:schemeClr val="tx1"/>
-              </a:solidFill>
-              <a:effectLst>
-                <a:outerShdw blurRad="12700" dist="38100" dir="2700000" algn="tl" rotWithShape="0">
-                  <a:schemeClr val="bg1">
-                    <a:lumMod val="50000"/>
-                  </a:schemeClr>
-                </a:outerShdw>
-              </a:effectLst>
-            </a:endParaRPr>
           </a:p>
         </p:txBody>
       </p:sp>
@@ -10133,21 +9908,8 @@
           <a:p>
             <a:r>
               <a:rPr lang="es-PE" dirty="0"/>
-              <a:t>Patrones de C</a:t>
-            </a:r>
-            <a:r>
-              <a:rPr lang="es-PE" dirty="0" smtClean="0"/>
-              <a:t>omportamiento Relacional </a:t>
-            </a:r>
-            <a:r>
-              <a:rPr lang="es-PE" dirty="0"/>
-              <a:t>de </a:t>
-            </a:r>
-            <a:r>
-              <a:rPr lang="es-PE" dirty="0" smtClean="0"/>
-              <a:t>Objetos</a:t>
-            </a:r>
-            <a:endParaRPr lang="es-PE" dirty="0"/>
+              <a:t>Patrones de Comportamiento Relacional de Objetos</a:t>
+            </a:r>
           </a:p>
         </p:txBody>
       </p:sp>
@@ -10366,26 +10128,23 @@
           <a:p>
             <a:pPr algn="just"/>
             <a:r>
-              <a:rPr lang="es-PE" dirty="0" smtClean="0">
+              <a:rPr lang="es-PE" dirty="0">
                 <a:latin typeface="Gill Sans MT (Cuerpo)"/>
               </a:rPr>
               <a:t>El patrón </a:t>
             </a:r>
             <a:r>
-              <a:rPr lang="es-PE" dirty="0" err="1" smtClean="0">
+              <a:rPr lang="es-PE" dirty="0" err="1">
                 <a:latin typeface="Gill Sans MT (Cuerpo)"/>
               </a:rPr>
               <a:t>UoW</a:t>
             </a:r>
             <a:r>
-              <a:rPr lang="es-PE" dirty="0" smtClean="0">
+              <a:rPr lang="es-PE" dirty="0">
                 <a:latin typeface="Gill Sans MT (Cuerpo)"/>
               </a:rPr>
               <a:t> nos va a resultar muy útil a la hora de persistir un conjunto de acciones a ejecutar sobre la base de datos, evitando el exceso de conexiones contra la misma.</a:t>
             </a:r>
-            <a:endParaRPr lang="es-PE" dirty="0">
-              <a:latin typeface="Gill Sans MT (Cuerpo)"/>
-            </a:endParaRPr>
           </a:p>
         </p:txBody>
       </p:sp>
@@ -10469,16 +10228,12 @@
           <a:p>
             <a:pPr algn="ctr"/>
             <a:r>
-              <a:rPr lang="es-PE" dirty="0" smtClean="0">
+              <a:rPr lang="es-PE" dirty="0">
                 <a:latin typeface="Arial" panose="020B0604020202020204" pitchFamily="34" charset="0"/>
                 <a:cs typeface="Arial" panose="020B0604020202020204" pitchFamily="34" charset="0"/>
               </a:rPr>
               <a:t>1</a:t>
             </a:r>
-            <a:endParaRPr lang="es-PE" dirty="0">
-              <a:latin typeface="Arial" panose="020B0604020202020204" pitchFamily="34" charset="0"/>
-              <a:cs typeface="Arial" panose="020B0604020202020204" pitchFamily="34" charset="0"/>
-            </a:endParaRPr>
           </a:p>
         </p:txBody>
       </p:sp>
@@ -10601,7 +10356,7 @@
         </p:nvSpPr>
         <p:spPr>
           <a:xfrm>
-            <a:off x="3242929" y="865565"/>
+            <a:off x="3242929" y="1163652"/>
             <a:ext cx="8187071" cy="4064627"/>
           </a:xfrm>
         </p:spPr>
@@ -10610,38 +10365,9 @@
           <a:lstStyle/>
           <a:p>
             <a:r>
-              <a:rPr lang="es-PE" dirty="0" smtClean="0"/>
+              <a:rPr lang="es-PE" dirty="0"/>
               <a:t>CLASES ABSTRACTAS E INTERFACES</a:t>
             </a:r>
-            <a:endParaRPr lang="es-PE" dirty="0"/>
-          </a:p>
-        </p:txBody>
-      </p:sp>
-      <p:sp>
-        <p:nvSpPr>
-          <p:cNvPr id="3" name="Marcador de texto 2"/>
-          <p:cNvSpPr>
-            <a:spLocks noGrp="1"/>
-          </p:cNvSpPr>
-          <p:nvPr>
-            <p:ph type="body" idx="1"/>
-          </p:nvPr>
-        </p:nvSpPr>
-        <p:spPr>
-          <a:xfrm>
-            <a:off x="3242929" y="5318043"/>
-            <a:ext cx="7017488" cy="951135"/>
-          </a:xfrm>
-        </p:spPr>
-        <p:txBody>
-          <a:bodyPr/>
-          <a:lstStyle/>
-          <a:p>
-            <a:r>
-              <a:rPr lang="es-PE" dirty="0" smtClean="0"/>
-              <a:t>SIMILITUDES Y DIFERENCIAS</a:t>
-            </a:r>
-            <a:endParaRPr lang="es-PE" dirty="0"/>
           </a:p>
         </p:txBody>
       </p:sp>
@@ -10796,7 +10522,7 @@
               <a:buNone/>
             </a:pPr>
             <a:r>
-              <a:rPr lang="es-PE" sz="2400" b="1" dirty="0" smtClean="0">
+              <a:rPr lang="es-PE" sz="2400" b="1" dirty="0">
                 <a:ln w="9525" cmpd="sng">
                   <a:solidFill>
                     <a:schemeClr val="accent1"/>
@@ -10818,26 +10544,6 @@
               </a:rPr>
               <a:t>CLASES ABSTRACTAS</a:t>
             </a:r>
-            <a:endParaRPr lang="es-PE" sz="2400" b="1" dirty="0">
-              <a:ln w="9525" cmpd="sng">
-                <a:solidFill>
-                  <a:schemeClr val="accent1"/>
-                </a:solidFill>
-                <a:prstDash val="solid"/>
-              </a:ln>
-              <a:solidFill>
-                <a:srgbClr val="70AD47">
-                  <a:tint val="1000"/>
-                </a:srgbClr>
-              </a:solidFill>
-              <a:effectLst>
-                <a:glow rad="38100">
-                  <a:schemeClr val="accent1">
-                    <a:alpha val="40000"/>
-                  </a:schemeClr>
-                </a:glow>
-              </a:effectLst>
-            </a:endParaRPr>
           </a:p>
         </p:txBody>
       </p:sp>
